--- a/CaseStudy2Ticzon_Slides.pptx
+++ b/CaseStudy2Ticzon_Slides.pptx
@@ -43,16 +43,17 @@
       <p:boldItalic r:id="rId29"/>
     </p:embeddedFont>
     <p:embeddedFont>
-      <p:font typeface="TT Interphases" panose="020B0604020202020204" charset="0"/>
+      <p:font typeface="TT Interphases" panose="02000503020000020004" pitchFamily="2" charset="0"/>
       <p:regular r:id="rId30"/>
     </p:embeddedFont>
     <p:embeddedFont>
-      <p:font typeface="TT Ramillas" panose="020B0604020202020204" charset="0"/>
+      <p:font typeface="TT Ramillas" panose="020E0000080000020004" pitchFamily="34" charset="0"/>
       <p:regular r:id="rId31"/>
     </p:embeddedFont>
     <p:embeddedFont>
-      <p:font typeface="TT Ramillas Italics" panose="020B0604020202020204" charset="0"/>
+      <p:font typeface="TT Ramillas Italics" panose="020E0000080000090004" pitchFamily="34" charset="0"/>
       <p:regular r:id="rId32"/>
+      <p:italic r:id="rId33"/>
     </p:embeddedFont>
   </p:embeddedFontLst>
   <p:defaultTextStyle>
@@ -251,7 +252,7 @@
           <a:p>
             <a:fld id="{B7268E1E-0E44-426D-905E-8AD9B19D2182}" type="datetimeFigureOut">
               <a:rPr lang="cs-CZ" smtClean="0"/>
-              <a:t>11.08.2023</a:t>
+              <a:t>13.08.2023</a:t>
             </a:fld>
             <a:endParaRPr lang="cs-CZ"/>
           </a:p>
@@ -2624,7 +2625,7 @@
             <a:fld id="{1D8BD707-D9CF-40AE-B4C6-C98DA3205C09}" type="datetimeFigureOut">
               <a:rPr lang="en-US" smtClean="0"/>
               <a:pPr/>
-              <a:t>8/11/2023</a:t>
+              <a:t>8/13/23</a:t>
             </a:fld>
             <a:endParaRPr lang="en-US"/>
           </a:p>
@@ -2789,7 +2790,7 @@
             <a:fld id="{1D8BD707-D9CF-40AE-B4C6-C98DA3205C09}" type="datetimeFigureOut">
               <a:rPr lang="en-US" smtClean="0"/>
               <a:pPr/>
-              <a:t>8/11/2023</a:t>
+              <a:t>8/13/23</a:t>
             </a:fld>
             <a:endParaRPr lang="en-US"/>
           </a:p>
@@ -2964,7 +2965,7 @@
             <a:fld id="{1D8BD707-D9CF-40AE-B4C6-C98DA3205C09}" type="datetimeFigureOut">
               <a:rPr lang="en-US" smtClean="0"/>
               <a:pPr/>
-              <a:t>8/11/2023</a:t>
+              <a:t>8/13/23</a:t>
             </a:fld>
             <a:endParaRPr lang="en-US"/>
           </a:p>
@@ -3129,7 +3130,7 @@
             <a:fld id="{1D8BD707-D9CF-40AE-B4C6-C98DA3205C09}" type="datetimeFigureOut">
               <a:rPr lang="en-US" smtClean="0"/>
               <a:pPr/>
-              <a:t>8/11/2023</a:t>
+              <a:t>8/13/23</a:t>
             </a:fld>
             <a:endParaRPr lang="en-US"/>
           </a:p>
@@ -3371,7 +3372,7 @@
             <a:fld id="{1D8BD707-D9CF-40AE-B4C6-C98DA3205C09}" type="datetimeFigureOut">
               <a:rPr lang="en-US" smtClean="0"/>
               <a:pPr/>
-              <a:t>8/11/2023</a:t>
+              <a:t>8/13/23</a:t>
             </a:fld>
             <a:endParaRPr lang="en-US"/>
           </a:p>
@@ -3653,7 +3654,7 @@
             <a:fld id="{1D8BD707-D9CF-40AE-B4C6-C98DA3205C09}" type="datetimeFigureOut">
               <a:rPr lang="en-US" smtClean="0"/>
               <a:pPr/>
-              <a:t>8/11/2023</a:t>
+              <a:t>8/13/23</a:t>
             </a:fld>
             <a:endParaRPr lang="en-US"/>
           </a:p>
@@ -4069,7 +4070,7 @@
             <a:fld id="{1D8BD707-D9CF-40AE-B4C6-C98DA3205C09}" type="datetimeFigureOut">
               <a:rPr lang="en-US" smtClean="0"/>
               <a:pPr/>
-              <a:t>8/11/2023</a:t>
+              <a:t>8/13/23</a:t>
             </a:fld>
             <a:endParaRPr lang="en-US"/>
           </a:p>
@@ -4183,7 +4184,7 @@
             <a:fld id="{1D8BD707-D9CF-40AE-B4C6-C98DA3205C09}" type="datetimeFigureOut">
               <a:rPr lang="en-US" smtClean="0"/>
               <a:pPr/>
-              <a:t>8/11/2023</a:t>
+              <a:t>8/13/23</a:t>
             </a:fld>
             <a:endParaRPr lang="en-US"/>
           </a:p>
@@ -4275,7 +4276,7 @@
             <a:fld id="{1D8BD707-D9CF-40AE-B4C6-C98DA3205C09}" type="datetimeFigureOut">
               <a:rPr lang="en-US" smtClean="0"/>
               <a:pPr/>
-              <a:t>8/11/2023</a:t>
+              <a:t>8/13/23</a:t>
             </a:fld>
             <a:endParaRPr lang="en-US"/>
           </a:p>
@@ -4547,7 +4548,7 @@
             <a:fld id="{1D8BD707-D9CF-40AE-B4C6-C98DA3205C09}" type="datetimeFigureOut">
               <a:rPr lang="en-US" smtClean="0"/>
               <a:pPr/>
-              <a:t>8/11/2023</a:t>
+              <a:t>8/13/23</a:t>
             </a:fld>
             <a:endParaRPr lang="en-US"/>
           </a:p>
@@ -4796,7 +4797,7 @@
             <a:fld id="{1D8BD707-D9CF-40AE-B4C6-C98DA3205C09}" type="datetimeFigureOut">
               <a:rPr lang="en-US" smtClean="0"/>
               <a:pPr/>
-              <a:t>8/11/2023</a:t>
+              <a:t>8/13/23</a:t>
             </a:fld>
             <a:endParaRPr lang="en-US"/>
           </a:p>
@@ -5004,7 +5005,7 @@
             <a:fld id="{1D8BD707-D9CF-40AE-B4C6-C98DA3205C09}" type="datetimeFigureOut">
               <a:rPr lang="en-US" smtClean="0"/>
               <a:pPr/>
-              <a:t>8/11/2023</a:t>
+              <a:t>8/13/23</a:t>
             </a:fld>
             <a:endParaRPr lang="en-US"/>
           </a:p>
@@ -11401,22 +11402,6 @@
               </a:rPr>
               <a:t>Presentation video: </a:t>
             </a:r>
-          </a:p>
-          <a:p>
-            <a:pPr>
-              <a:lnSpc>
-                <a:spcPct val="250000"/>
-              </a:lnSpc>
-            </a:pPr>
-            <a:r>
-              <a:rPr lang="en-US" dirty="0">
-                <a:solidFill>
-                  <a:schemeClr val="bg1"/>
-                </a:solidFill>
-                <a:latin typeface="TT Interphases" panose="020B0604020202020204" charset="0"/>
-              </a:rPr>
-              <a:t>GitHub repository: </a:t>
-            </a:r>
             <a:r>
               <a:rPr lang="en-US" dirty="0">
                 <a:solidFill>
@@ -11431,6 +11416,47 @@
                   </a:extLst>
                 </a:hlinkClick>
               </a:rPr>
+              <a:t>https://youtu.be/lbArHBZwrpE</a:t>
+            </a:r>
+            <a:r>
+              <a:rPr lang="en-US" dirty="0">
+                <a:solidFill>
+                  <a:schemeClr val="bg1"/>
+                </a:solidFill>
+                <a:latin typeface="TT Interphases" panose="020B0604020202020204" charset="0"/>
+              </a:rPr>
+              <a:t> </a:t>
+            </a:r>
+          </a:p>
+          <a:p>
+            <a:pPr>
+              <a:lnSpc>
+                <a:spcPct val="250000"/>
+              </a:lnSpc>
+            </a:pPr>
+            <a:r>
+              <a:rPr lang="en-US" dirty="0">
+                <a:solidFill>
+                  <a:schemeClr val="bg1"/>
+                </a:solidFill>
+                <a:latin typeface="TT Interphases" panose="020B0604020202020204" charset="0"/>
+              </a:rPr>
+              <a:t>GitHub repository: </a:t>
+            </a:r>
+            <a:r>
+              <a:rPr lang="en-US" dirty="0">
+                <a:solidFill>
+                  <a:schemeClr val="bg1"/>
+                </a:solidFill>
+                <a:latin typeface="TT Interphases" panose="020B0604020202020204" charset="0"/>
+                <a:hlinkClick r:id="rId3">
+                  <a:extLst>
+                    <a:ext uri="{A12FA001-AC4F-418D-AE19-62706E023703}">
+                      <ahyp:hlinkClr xmlns:ahyp="http://schemas.microsoft.com/office/drawing/2018/hyperlinkcolor" val="tx"/>
+                    </a:ext>
+                  </a:extLst>
+                </a:hlinkClick>
+              </a:rPr>
               <a:t>https://github.com/catherineticzon/CaseStudy2DDS.git</a:t>
             </a:r>
             <a:endParaRPr lang="en-US" dirty="0">
@@ -11461,7 +11487,7 @@
                   <a:schemeClr val="bg1"/>
                 </a:solidFill>
                 <a:latin typeface="TT Interphases" panose="020B0604020202020204" charset="0"/>
-                <a:hlinkClick r:id="rId3">
+                <a:hlinkClick r:id="rId4">
                   <a:extLst>
                     <a:ext uri="{A12FA001-AC4F-418D-AE19-62706E023703}">
                       <ahyp:hlinkClr xmlns:ahyp="http://schemas.microsoft.com/office/drawing/2018/hyperlinkcolor" val="tx"/>
